--- a/project_1.pptx
+++ b/project_1.pptx
@@ -296,7 +296,7 @@
           <a:p>
             <a:fld id="{2556E265-FD56-475E-9687-0455F914B6B9}" type="datetimeFigureOut">
               <a:rPr lang="ko-KR" altLang="en-US" smtClean="0"/>
-              <a:t>2016-09-22</a:t>
+              <a:t>2016-10-09</a:t>
             </a:fld>
             <a:endParaRPr lang="ko-KR" altLang="en-US"/>
           </a:p>
@@ -466,7 +466,7 @@
           <a:p>
             <a:fld id="{2556E265-FD56-475E-9687-0455F914B6B9}" type="datetimeFigureOut">
               <a:rPr lang="ko-KR" altLang="en-US" smtClean="0"/>
-              <a:t>2016-09-22</a:t>
+              <a:t>2016-10-09</a:t>
             </a:fld>
             <a:endParaRPr lang="ko-KR" altLang="en-US"/>
           </a:p>
@@ -646,7 +646,7 @@
           <a:p>
             <a:fld id="{2556E265-FD56-475E-9687-0455F914B6B9}" type="datetimeFigureOut">
               <a:rPr lang="ko-KR" altLang="en-US" smtClean="0"/>
-              <a:t>2016-09-22</a:t>
+              <a:t>2016-10-09</a:t>
             </a:fld>
             <a:endParaRPr lang="ko-KR" altLang="en-US"/>
           </a:p>
@@ -816,7 +816,7 @@
           <a:p>
             <a:fld id="{2556E265-FD56-475E-9687-0455F914B6B9}" type="datetimeFigureOut">
               <a:rPr lang="ko-KR" altLang="en-US" smtClean="0"/>
-              <a:t>2016-09-22</a:t>
+              <a:t>2016-10-09</a:t>
             </a:fld>
             <a:endParaRPr lang="ko-KR" altLang="en-US"/>
           </a:p>
@@ -1062,7 +1062,7 @@
           <a:p>
             <a:fld id="{2556E265-FD56-475E-9687-0455F914B6B9}" type="datetimeFigureOut">
               <a:rPr lang="ko-KR" altLang="en-US" smtClean="0"/>
-              <a:t>2016-09-22</a:t>
+              <a:t>2016-10-09</a:t>
             </a:fld>
             <a:endParaRPr lang="ko-KR" altLang="en-US"/>
           </a:p>
@@ -1350,7 +1350,7 @@
           <a:p>
             <a:fld id="{2556E265-FD56-475E-9687-0455F914B6B9}" type="datetimeFigureOut">
               <a:rPr lang="ko-KR" altLang="en-US" smtClean="0"/>
-              <a:t>2016-09-22</a:t>
+              <a:t>2016-10-09</a:t>
             </a:fld>
             <a:endParaRPr lang="ko-KR" altLang="en-US"/>
           </a:p>
@@ -1772,7 +1772,7 @@
           <a:p>
             <a:fld id="{2556E265-FD56-475E-9687-0455F914B6B9}" type="datetimeFigureOut">
               <a:rPr lang="ko-KR" altLang="en-US" smtClean="0"/>
-              <a:t>2016-09-22</a:t>
+              <a:t>2016-10-09</a:t>
             </a:fld>
             <a:endParaRPr lang="ko-KR" altLang="en-US"/>
           </a:p>
@@ -1890,7 +1890,7 @@
           <a:p>
             <a:fld id="{2556E265-FD56-475E-9687-0455F914B6B9}" type="datetimeFigureOut">
               <a:rPr lang="ko-KR" altLang="en-US" smtClean="0"/>
-              <a:t>2016-09-22</a:t>
+              <a:t>2016-10-09</a:t>
             </a:fld>
             <a:endParaRPr lang="ko-KR" altLang="en-US"/>
           </a:p>
@@ -1985,7 +1985,7 @@
           <a:p>
             <a:fld id="{2556E265-FD56-475E-9687-0455F914B6B9}" type="datetimeFigureOut">
               <a:rPr lang="ko-KR" altLang="en-US" smtClean="0"/>
-              <a:t>2016-09-22</a:t>
+              <a:t>2016-10-09</a:t>
             </a:fld>
             <a:endParaRPr lang="ko-KR" altLang="en-US"/>
           </a:p>
@@ -2262,7 +2262,7 @@
           <a:p>
             <a:fld id="{2556E265-FD56-475E-9687-0455F914B6B9}" type="datetimeFigureOut">
               <a:rPr lang="ko-KR" altLang="en-US" smtClean="0"/>
-              <a:t>2016-09-22</a:t>
+              <a:t>2016-10-09</a:t>
             </a:fld>
             <a:endParaRPr lang="ko-KR" altLang="en-US"/>
           </a:p>
@@ -2515,7 +2515,7 @@
           <a:p>
             <a:fld id="{2556E265-FD56-475E-9687-0455F914B6B9}" type="datetimeFigureOut">
               <a:rPr lang="ko-KR" altLang="en-US" smtClean="0"/>
-              <a:t>2016-09-22</a:t>
+              <a:t>2016-10-09</a:t>
             </a:fld>
             <a:endParaRPr lang="ko-KR" altLang="en-US"/>
           </a:p>
@@ -2737,7 +2737,7 @@
           <a:p>
             <a:fld id="{2556E265-FD56-475E-9687-0455F914B6B9}" type="datetimeFigureOut">
               <a:rPr lang="ko-KR" altLang="en-US" smtClean="0"/>
-              <a:t>2016-09-22</a:t>
+              <a:t>2016-10-09</a:t>
             </a:fld>
             <a:endParaRPr lang="ko-KR" altLang="en-US"/>
           </a:p>
@@ -4207,7 +4207,21 @@
                 <a:latin typeface="MD이솝체" pitchFamily="18" charset="-127"/>
                 <a:ea typeface="MD이솝체" pitchFamily="18" charset="-127"/>
               </a:rPr>
-              <a:t> 하늘을 날면서</a:t>
+              <a:t> </a:t>
+            </a:r>
+            <a:r>
+              <a:rPr lang="ko-KR" altLang="en-US" sz="3200" dirty="0" smtClean="0">
+                <a:latin typeface="MD이솝체" pitchFamily="18" charset="-127"/>
+                <a:ea typeface="MD이솝체" pitchFamily="18" charset="-127"/>
+              </a:rPr>
+              <a:t>하늘을 </a:t>
+            </a:r>
+            <a:r>
+              <a:rPr lang="ko-KR" altLang="en-US" sz="3200" dirty="0" smtClean="0">
+                <a:latin typeface="MD이솝체" pitchFamily="18" charset="-127"/>
+                <a:ea typeface="MD이솝체" pitchFamily="18" charset="-127"/>
+              </a:rPr>
+              <a:t>날면서</a:t>
             </a:r>
             <a:endParaRPr lang="en-US" altLang="ko-KR" sz="3200" dirty="0" smtClean="0">
               <a:latin typeface="MD이솝체" pitchFamily="18" charset="-127"/>
@@ -4220,21 +4234,35 @@
                 <a:latin typeface="MD이솝체" pitchFamily="18" charset="-127"/>
                 <a:ea typeface="MD이솝체" pitchFamily="18" charset="-127"/>
               </a:rPr>
-              <a:t> 코인을 먹는 중 </a:t>
+              <a:t>코인을 </a:t>
+            </a:r>
+            <a:r>
+              <a:rPr lang="ko-KR" altLang="en-US" sz="3200" dirty="0" smtClean="0">
+                <a:latin typeface="MD이솝체" pitchFamily="18" charset="-127"/>
+                <a:ea typeface="MD이솝체" pitchFamily="18" charset="-127"/>
+              </a:rPr>
+              <a:t>먹는 중 </a:t>
             </a:r>
             <a:r>
               <a:rPr lang="ko-KR" altLang="en-US" sz="3200" dirty="0" err="1" smtClean="0">
                 <a:latin typeface="MD이솝체" pitchFamily="18" charset="-127"/>
                 <a:ea typeface="MD이솝체" pitchFamily="18" charset="-127"/>
               </a:rPr>
-              <a:t>몬스터</a:t>
+              <a:t>몬스터들이</a:t>
             </a:r>
             <a:r>
               <a:rPr lang="ko-KR" altLang="en-US" sz="3200" dirty="0" smtClean="0">
                 <a:latin typeface="MD이솝체" pitchFamily="18" charset="-127"/>
                 <a:ea typeface="MD이솝체" pitchFamily="18" charset="-127"/>
               </a:rPr>
-              <a:t> 들이 나타나고 </a:t>
+              <a:t> </a:t>
+            </a:r>
+            <a:r>
+              <a:rPr lang="ko-KR" altLang="en-US" sz="3200" dirty="0" smtClean="0">
+                <a:latin typeface="MD이솝체" pitchFamily="18" charset="-127"/>
+                <a:ea typeface="MD이솝체" pitchFamily="18" charset="-127"/>
+              </a:rPr>
+              <a:t>나타나고 </a:t>
             </a:r>
             <a:endParaRPr lang="en-US" altLang="ko-KR" sz="3200" dirty="0" smtClean="0">
               <a:latin typeface="MD이솝체" pitchFamily="18" charset="-127"/>
@@ -4346,7 +4374,7 @@
           <p:nvPr>
             <p:extLst>
               <p:ext uri="{D42A27DB-BD31-4B8C-83A1-F6EECF244321}">
-                <p14:modId xmlns:p14="http://schemas.microsoft.com/office/powerpoint/2010/main" val="1707975874"/>
+                <p14:modId xmlns:p14="http://schemas.microsoft.com/office/powerpoint/2010/main" val="168225723"/>
               </p:ext>
             </p:extLst>
           </p:nvPr>
@@ -4510,25 +4538,25 @@
                     <a:p>
                       <a:pPr algn="ctr" latinLnBrk="1"/>
                       <a:r>
-                        <a:rPr lang="en-US" altLang="ko-KR" dirty="0" smtClean="0">
-                          <a:latin typeface="MD이솝체" pitchFamily="18" charset="-127"/>
-                          <a:ea typeface="MD이솝체" pitchFamily="18" charset="-127"/>
-                        </a:rPr>
-                        <a:t>Space</a:t>
+                        <a:rPr lang="ko-KR" altLang="en-US" baseline="0" dirty="0" smtClean="0">
+                          <a:latin typeface="MD이솝체" pitchFamily="18" charset="-127"/>
+                          <a:ea typeface="MD이솝체" pitchFamily="18" charset="-127"/>
+                        </a:rPr>
+                        <a:t>↑</a:t>
                       </a:r>
                       <a:r>
                         <a:rPr lang="en-US" altLang="ko-KR" baseline="0" dirty="0" smtClean="0">
                           <a:latin typeface="MD이솝체" pitchFamily="18" charset="-127"/>
                           <a:ea typeface="MD이솝체" pitchFamily="18" charset="-127"/>
                         </a:rPr>
-                        <a:t> </a:t>
+                        <a:t>,</a:t>
                       </a:r>
                       <a:r>
                         <a:rPr lang="ko-KR" altLang="en-US" baseline="0" dirty="0" smtClean="0">
                           <a:latin typeface="MD이솝체" pitchFamily="18" charset="-127"/>
                           <a:ea typeface="MD이솝체" pitchFamily="18" charset="-127"/>
                         </a:rPr>
-                        <a:t>키를 이용하여 떠오름</a:t>
+                        <a:t>↓ 키를 이용하여 위아래로 움직임</a:t>
                       </a:r>
                       <a:endParaRPr lang="ko-KR" altLang="en-US" dirty="0">
                         <a:latin typeface="MD이솝체" pitchFamily="18" charset="-127"/>
@@ -4644,14 +4672,28 @@
                           <a:latin typeface="MD이솝체" pitchFamily="18" charset="-127"/>
                           <a:ea typeface="MD이솝체" pitchFamily="18" charset="-127"/>
                         </a:rPr>
-                        <a:t>Z </a:t>
+                        <a:t>Space </a:t>
                       </a:r>
                       <a:r>
                         <a:rPr lang="ko-KR" altLang="en-US" dirty="0" smtClean="0">
                           <a:latin typeface="MD이솝체" pitchFamily="18" charset="-127"/>
                           <a:ea typeface="MD이솝체" pitchFamily="18" charset="-127"/>
                         </a:rPr>
-                        <a:t>키를 이용하여 화염을 발사</a:t>
+                        <a:t>키를 </a:t>
+                      </a:r>
+                      <a:r>
+                        <a:rPr lang="ko-KR" altLang="en-US" dirty="0" smtClean="0">
+                          <a:latin typeface="MD이솝체" pitchFamily="18" charset="-127"/>
+                          <a:ea typeface="MD이솝체" pitchFamily="18" charset="-127"/>
+                        </a:rPr>
+                        <a:t>이용하여 </a:t>
+                      </a:r>
+                      <a:r>
+                        <a:rPr lang="ko-KR" altLang="en-US" dirty="0" smtClean="0">
+                          <a:latin typeface="MD이솝체" pitchFamily="18" charset="-127"/>
+                          <a:ea typeface="MD이솝체" pitchFamily="18" charset="-127"/>
+                        </a:rPr>
+                        <a:t>공격</a:t>
                       </a:r>
                       <a:endParaRPr lang="ko-KR" altLang="en-US" dirty="0">
                         <a:latin typeface="MD이솝체" pitchFamily="18" charset="-127"/>
